--- a/EngenhariaSoftware/Diagrama-Gerson/Diagrama(Aula Gerson).pptx
+++ b/EngenhariaSoftware/Diagrama-Gerson/Diagrama(Aula Gerson).pptx
@@ -300,7 +300,7 @@
           <a:p>
             <a:fld id="{48A54C1E-71A3-406C-A2FD-1B2880181FDC}" type="datetimeFigureOut">
               <a:rPr lang="pt-BR" smtClean="0"/>
-              <a:t>22/04/2020</a:t>
+              <a:t>25/04/2020</a:t>
             </a:fld>
             <a:endParaRPr lang="pt-BR"/>
           </a:p>
@@ -498,7 +498,7 @@
           <a:p>
             <a:fld id="{48A54C1E-71A3-406C-A2FD-1B2880181FDC}" type="datetimeFigureOut">
               <a:rPr lang="pt-BR" smtClean="0"/>
-              <a:t>22/04/2020</a:t>
+              <a:t>25/04/2020</a:t>
             </a:fld>
             <a:endParaRPr lang="pt-BR"/>
           </a:p>
@@ -706,7 +706,7 @@
           <a:p>
             <a:fld id="{48A54C1E-71A3-406C-A2FD-1B2880181FDC}" type="datetimeFigureOut">
               <a:rPr lang="pt-BR" smtClean="0"/>
-              <a:t>22/04/2020</a:t>
+              <a:t>25/04/2020</a:t>
             </a:fld>
             <a:endParaRPr lang="pt-BR"/>
           </a:p>
@@ -904,7 +904,7 @@
           <a:p>
             <a:fld id="{48A54C1E-71A3-406C-A2FD-1B2880181FDC}" type="datetimeFigureOut">
               <a:rPr lang="pt-BR" smtClean="0"/>
-              <a:t>22/04/2020</a:t>
+              <a:t>25/04/2020</a:t>
             </a:fld>
             <a:endParaRPr lang="pt-BR"/>
           </a:p>
@@ -1179,7 +1179,7 @@
           <a:p>
             <a:fld id="{48A54C1E-71A3-406C-A2FD-1B2880181FDC}" type="datetimeFigureOut">
               <a:rPr lang="pt-BR" smtClean="0"/>
-              <a:t>22/04/2020</a:t>
+              <a:t>25/04/2020</a:t>
             </a:fld>
             <a:endParaRPr lang="pt-BR"/>
           </a:p>
@@ -1444,7 +1444,7 @@
           <a:p>
             <a:fld id="{48A54C1E-71A3-406C-A2FD-1B2880181FDC}" type="datetimeFigureOut">
               <a:rPr lang="pt-BR" smtClean="0"/>
-              <a:t>22/04/2020</a:t>
+              <a:t>25/04/2020</a:t>
             </a:fld>
             <a:endParaRPr lang="pt-BR"/>
           </a:p>
@@ -1856,7 +1856,7 @@
           <a:p>
             <a:fld id="{48A54C1E-71A3-406C-A2FD-1B2880181FDC}" type="datetimeFigureOut">
               <a:rPr lang="pt-BR" smtClean="0"/>
-              <a:t>22/04/2020</a:t>
+              <a:t>25/04/2020</a:t>
             </a:fld>
             <a:endParaRPr lang="pt-BR"/>
           </a:p>
@@ -1997,7 +1997,7 @@
           <a:p>
             <a:fld id="{48A54C1E-71A3-406C-A2FD-1B2880181FDC}" type="datetimeFigureOut">
               <a:rPr lang="pt-BR" smtClean="0"/>
-              <a:t>22/04/2020</a:t>
+              <a:t>25/04/2020</a:t>
             </a:fld>
             <a:endParaRPr lang="pt-BR"/>
           </a:p>
@@ -2110,7 +2110,7 @@
           <a:p>
             <a:fld id="{48A54C1E-71A3-406C-A2FD-1B2880181FDC}" type="datetimeFigureOut">
               <a:rPr lang="pt-BR" smtClean="0"/>
-              <a:t>22/04/2020</a:t>
+              <a:t>25/04/2020</a:t>
             </a:fld>
             <a:endParaRPr lang="pt-BR"/>
           </a:p>
@@ -2421,7 +2421,7 @@
           <a:p>
             <a:fld id="{48A54C1E-71A3-406C-A2FD-1B2880181FDC}" type="datetimeFigureOut">
               <a:rPr lang="pt-BR" smtClean="0"/>
-              <a:t>22/04/2020</a:t>
+              <a:t>25/04/2020</a:t>
             </a:fld>
             <a:endParaRPr lang="pt-BR"/>
           </a:p>
@@ -2709,7 +2709,7 @@
           <a:p>
             <a:fld id="{48A54C1E-71A3-406C-A2FD-1B2880181FDC}" type="datetimeFigureOut">
               <a:rPr lang="pt-BR" smtClean="0"/>
-              <a:t>22/04/2020</a:t>
+              <a:t>25/04/2020</a:t>
             </a:fld>
             <a:endParaRPr lang="pt-BR"/>
           </a:p>
@@ -2950,7 +2950,7 @@
           <a:p>
             <a:fld id="{48A54C1E-71A3-406C-A2FD-1B2880181FDC}" type="datetimeFigureOut">
               <a:rPr lang="pt-BR" smtClean="0"/>
-              <a:t>22/04/2020</a:t>
+              <a:t>25/04/2020</a:t>
             </a:fld>
             <a:endParaRPr lang="pt-BR"/>
           </a:p>
@@ -3509,8 +3509,8 @@
         </p:nvSpPr>
         <p:spPr>
           <a:xfrm>
-            <a:off x="8047549" y="1118383"/>
-            <a:ext cx="1394460" cy="461665"/>
+            <a:off x="8115299" y="1118383"/>
+            <a:ext cx="1326709" cy="461665"/>
           </a:xfrm>
           <a:prstGeom prst="rect">
             <a:avLst/>
@@ -3574,7 +3574,7 @@
         </p:nvSpPr>
         <p:spPr>
           <a:xfrm>
-            <a:off x="10050949" y="1114672"/>
+            <a:off x="9981585" y="1122564"/>
             <a:ext cx="1394460" cy="461665"/>
           </a:xfrm>
           <a:prstGeom prst="rect">
@@ -3639,8 +3639,8 @@
         </p:nvSpPr>
         <p:spPr>
           <a:xfrm>
-            <a:off x="8880450" y="1744345"/>
-            <a:ext cx="1867729" cy="461665"/>
+            <a:off x="8115300" y="1744345"/>
+            <a:ext cx="1326708" cy="461665"/>
           </a:xfrm>
           <a:prstGeom prst="rect">
             <a:avLst/>
@@ -3801,7 +3801,7 @@
         </p:nvSpPr>
         <p:spPr>
           <a:xfrm>
-            <a:off x="713961" y="1116556"/>
+            <a:off x="541927" y="1114672"/>
             <a:ext cx="1394460" cy="461665"/>
           </a:xfrm>
           <a:prstGeom prst="rect">
@@ -3866,7 +3866,7 @@
         </p:nvSpPr>
         <p:spPr>
           <a:xfrm>
-            <a:off x="2584174" y="1116555"/>
+            <a:off x="2387324" y="1130747"/>
             <a:ext cx="1538909" cy="461665"/>
           </a:xfrm>
           <a:prstGeom prst="rect">
@@ -3931,8 +3931,8 @@
         </p:nvSpPr>
         <p:spPr>
           <a:xfrm>
-            <a:off x="1604838" y="1744346"/>
-            <a:ext cx="1538909" cy="461665"/>
+            <a:off x="541927" y="1834326"/>
+            <a:ext cx="1394460" cy="461665"/>
           </a:xfrm>
           <a:prstGeom prst="rect">
             <a:avLst/>
@@ -4149,7 +4149,7 @@
         </p:nvSpPr>
         <p:spPr>
           <a:xfrm>
-            <a:off x="566443" y="5691068"/>
+            <a:off x="541927" y="5691068"/>
             <a:ext cx="1394460" cy="461665"/>
           </a:xfrm>
           <a:prstGeom prst="rect">
@@ -4214,7 +4214,7 @@
         </p:nvSpPr>
         <p:spPr>
           <a:xfrm>
-            <a:off x="2584174" y="5691068"/>
+            <a:off x="2510868" y="5691068"/>
             <a:ext cx="1394460" cy="461665"/>
           </a:xfrm>
           <a:prstGeom prst="rect">
@@ -4576,6 +4576,136 @@
           <a:p>
             <a:pPr algn="ctr"/>
             <a:endParaRPr lang="pt-BR"/>
+          </a:p>
+        </p:txBody>
+      </p:sp>
+      <p:sp>
+        <p:nvSpPr>
+          <p:cNvPr id="25" name="Retângulo 24">
+            <a:extLst>
+              <a:ext uri="{FF2B5EF4-FFF2-40B4-BE49-F238E27FC236}">
+                <a16:creationId xmlns:a16="http://schemas.microsoft.com/office/drawing/2014/main" id="{0B34F5BF-722F-45BB-8637-181C8CF23B3B}"/>
+              </a:ext>
+            </a:extLst>
+          </p:cNvPr>
+          <p:cNvSpPr/>
+          <p:nvPr/>
+        </p:nvSpPr>
+        <p:spPr>
+          <a:xfrm>
+            <a:off x="2387324" y="1834325"/>
+            <a:ext cx="1533188" cy="461665"/>
+          </a:xfrm>
+          <a:prstGeom prst="rect">
+            <a:avLst/>
+          </a:prstGeom>
+          <a:solidFill>
+            <a:schemeClr val="tx1">
+              <a:lumMod val="75000"/>
+              <a:lumOff val="25000"/>
+            </a:schemeClr>
+          </a:solidFill>
+        </p:spPr>
+        <p:style>
+          <a:lnRef idx="2">
+            <a:schemeClr val="accent1">
+              <a:shade val="50000"/>
+            </a:schemeClr>
+          </a:lnRef>
+          <a:fillRef idx="1">
+            <a:schemeClr val="accent1"/>
+          </a:fillRef>
+          <a:effectRef idx="0">
+            <a:schemeClr val="accent1"/>
+          </a:effectRef>
+          <a:fontRef idx="minor">
+            <a:schemeClr val="lt1"/>
+          </a:fontRef>
+        </p:style>
+        <p:txBody>
+          <a:bodyPr rtlCol="0" anchor="ctr"/>
+          <a:lstStyle/>
+          <a:p>
+            <a:pPr algn="ctr"/>
+            <a:r>
+              <a:rPr lang="pt-BR" b="1" dirty="0">
+                <a:effectLst>
+                  <a:outerShdw blurRad="38100" dist="38100" dir="2700000" algn="tl">
+                    <a:srgbClr val="000000">
+                      <a:alpha val="43137"/>
+                    </a:srgbClr>
+                  </a:outerShdw>
+                </a:effectLst>
+                <a:latin typeface="Arial" panose="020B0604020202020204" pitchFamily="34" charset="0"/>
+                <a:cs typeface="Arial" panose="020B0604020202020204" pitchFamily="34" charset="0"/>
+              </a:rPr>
+              <a:t>Node.js</a:t>
+            </a:r>
+          </a:p>
+        </p:txBody>
+      </p:sp>
+      <p:sp>
+        <p:nvSpPr>
+          <p:cNvPr id="26" name="Retângulo 25">
+            <a:extLst>
+              <a:ext uri="{FF2B5EF4-FFF2-40B4-BE49-F238E27FC236}">
+                <a16:creationId xmlns:a16="http://schemas.microsoft.com/office/drawing/2014/main" id="{9609B3CC-DB76-4400-9EF9-B12EDDAF780F}"/>
+              </a:ext>
+            </a:extLst>
+          </p:cNvPr>
+          <p:cNvSpPr/>
+          <p:nvPr/>
+        </p:nvSpPr>
+        <p:spPr>
+          <a:xfrm>
+            <a:off x="9981585" y="1731465"/>
+            <a:ext cx="1394460" cy="461665"/>
+          </a:xfrm>
+          <a:prstGeom prst="rect">
+            <a:avLst/>
+          </a:prstGeom>
+          <a:solidFill>
+            <a:schemeClr val="tx1">
+              <a:lumMod val="75000"/>
+              <a:lumOff val="25000"/>
+            </a:schemeClr>
+          </a:solidFill>
+        </p:spPr>
+        <p:style>
+          <a:lnRef idx="2">
+            <a:schemeClr val="accent1">
+              <a:shade val="50000"/>
+            </a:schemeClr>
+          </a:lnRef>
+          <a:fillRef idx="1">
+            <a:schemeClr val="accent1"/>
+          </a:fillRef>
+          <a:effectRef idx="0">
+            <a:schemeClr val="accent1"/>
+          </a:effectRef>
+          <a:fontRef idx="minor">
+            <a:schemeClr val="lt1"/>
+          </a:fontRef>
+        </p:style>
+        <p:txBody>
+          <a:bodyPr rtlCol="0" anchor="ctr"/>
+          <a:lstStyle/>
+          <a:p>
+            <a:pPr algn="ctr"/>
+            <a:r>
+              <a:rPr lang="pt-BR" b="1" dirty="0">
+                <a:effectLst>
+                  <a:outerShdw blurRad="38100" dist="38100" dir="2700000" algn="tl">
+                    <a:srgbClr val="000000">
+                      <a:alpha val="43137"/>
+                    </a:srgbClr>
+                  </a:outerShdw>
+                </a:effectLst>
+                <a:latin typeface="Arial" panose="020B0604020202020204" pitchFamily="34" charset="0"/>
+                <a:cs typeface="Arial" panose="020B0604020202020204" pitchFamily="34" charset="0"/>
+              </a:rPr>
+              <a:t>Node.js</a:t>
+            </a:r>
           </a:p>
         </p:txBody>
       </p:sp>
